--- a/static/files/ppt.pptx
+++ b/static/files/ppt.pptx
@@ -5910,7 +5910,7 @@
         </p:spPr>
         <p:txBody>
           <a:bodyPr>
-            <a:normAutofit/>
+            <a:normAutofit fontScale="90000"/>
           </a:bodyPr>
           <a:lstStyle/>
           <a:p>
@@ -5918,7 +5918,7 @@
               <a:rPr lang="en-US" sz="4400" dirty="0">
                 <a:latin typeface="Cooper Black" panose="0208090404030B020404" pitchFamily="18" charset="0"/>
               </a:rPr>
-              <a:t>AI  Based Reservation System</a:t>
+              <a:t>AI Based Train Reservation System</a:t>
             </a:r>
             <a:endParaRPr lang="en-IN" sz="4400" dirty="0">
               <a:latin typeface="Cooper Black" panose="0208090404030B020404" pitchFamily="18" charset="0"/>
@@ -6525,13 +6525,6 @@
           <a:p>
             <a:endParaRPr lang="en-US" sz="2400" dirty="0"/>
           </a:p>
-          <a:p>
-            <a:r>
-              <a:rPr lang="en-US" sz="2400" dirty="0"/>
-              <a:t>JS functioning to Link Firebase OAuth Config.</a:t>
-            </a:r>
-            <a:endParaRPr lang="en-IN" sz="2400" dirty="0"/>
-          </a:p>
         </p:txBody>
       </p:sp>
       <p:sp>
@@ -6698,15 +6691,7 @@
           <a:p>
             <a:r>
               <a:rPr lang="en-US" sz="2400" dirty="0"/>
-              <a:t>Server setup and running Machine learning script ,To reduce training frequency creating  </a:t>
-            </a:r>
-            <a:r>
-              <a:rPr lang="en-US" sz="2400" dirty="0" err="1"/>
-              <a:t>Pkl</a:t>
-            </a:r>
-            <a:r>
-              <a:rPr lang="en-US" sz="2400" dirty="0"/>
-              <a:t> files(to reduce time and repeatedly re-train the ML [model.py] files).</a:t>
+              <a:t>Server setup and running Machine learning script .</a:t>
             </a:r>
             <a:endParaRPr lang="en-IN" sz="2400" dirty="0"/>
           </a:p>
@@ -7503,6 +7488,17 @@
             </a:r>
           </a:p>
           <a:p>
+            <a:pPr marL="0" indent="0">
+              <a:buNone/>
+            </a:pPr>
+            <a:r>
+              <a:rPr lang="en-US" dirty="0"/>
+              <a:t>				                  </a:t>
+            </a:r>
+            <a:r>
+              <a:rPr lang="en-US" u="sng" dirty="0"/>
+              <a:t>FUTURE SCOPE</a:t>
+            </a:r>
             <a:endParaRPr lang="en-US" dirty="0"/>
           </a:p>
           <a:p>
@@ -7517,7 +7513,7 @@
           <a:p>
             <a:r>
               <a:rPr lang="en-US" dirty="0"/>
-              <a:t>For offline services trying 'I V R S' (Interactive Voice Response System). </a:t>
+              <a:t>For offline services we are trying 'I V R S' (Interactive Voice Response System). </a:t>
             </a:r>
           </a:p>
           <a:p>
@@ -8271,7 +8267,15 @@
           <a:p>
             <a:r>
               <a:rPr lang="en-IN" sz="2400" dirty="0"/>
-              <a:t>Provide Functionality and Flexibility to railway reservation system ,so that they can operate the system easily and efficiently.</a:t>
+              <a:t>Provide Functionality and Flexibility to railway reservation system ,so </a:t>
+            </a:r>
+            <a:r>
+              <a:rPr lang="en-IN" sz="2400"/>
+              <a:t>that customers </a:t>
+            </a:r>
+            <a:r>
+              <a:rPr lang="en-IN" sz="2400" dirty="0"/>
+              <a:t>can operate the system easily and efficiently.</a:t>
             </a:r>
           </a:p>
           <a:p>
@@ -8559,13 +8563,29 @@
         </p:blipFill>
         <p:spPr>
           <a:xfrm>
-            <a:off x="0" y="992015"/>
-            <a:ext cx="12192000" cy="6217920"/>
+            <a:off x="457199" y="715790"/>
+            <a:ext cx="11356648" cy="5988354"/>
           </a:xfrm>
           <a:prstGeom prst="rect">
             <a:avLst/>
           </a:prstGeom>
         </p:spPr>
+        <p:style>
+          <a:lnRef idx="2">
+            <a:schemeClr val="accent2">
+              <a:shade val="50000"/>
+            </a:schemeClr>
+          </a:lnRef>
+          <a:fillRef idx="1">
+            <a:schemeClr val="accent2"/>
+          </a:fillRef>
+          <a:effectRef idx="0">
+            <a:schemeClr val="accent2"/>
+          </a:effectRef>
+          <a:fontRef idx="minor">
+            <a:schemeClr val="lt1"/>
+          </a:fontRef>
+        </p:style>
       </p:pic>
     </p:spTree>
     <p:extLst>
@@ -8615,7 +8635,7 @@
         </p:nvSpPr>
         <p:spPr>
           <a:xfrm>
-            <a:off x="0" y="722934"/>
+            <a:off x="6306792" y="1122984"/>
             <a:ext cx="5298831" cy="2471860"/>
           </a:xfrm>
         </p:spPr>
@@ -8689,13 +8709,29 @@
         </p:blipFill>
         <p:spPr>
           <a:xfrm>
-            <a:off x="4308299" y="0"/>
-            <a:ext cx="6160918" cy="6858000"/>
+            <a:off x="145874" y="171450"/>
+            <a:ext cx="6160918" cy="6515100"/>
           </a:xfrm>
           <a:prstGeom prst="rect">
             <a:avLst/>
           </a:prstGeom>
         </p:spPr>
+        <p:style>
+          <a:lnRef idx="2">
+            <a:schemeClr val="accent4">
+              <a:shade val="50000"/>
+            </a:schemeClr>
+          </a:lnRef>
+          <a:fillRef idx="1">
+            <a:schemeClr val="accent4"/>
+          </a:fillRef>
+          <a:effectRef idx="0">
+            <a:schemeClr val="accent4"/>
+          </a:effectRef>
+          <a:fontRef idx="minor">
+            <a:schemeClr val="lt1"/>
+          </a:fontRef>
+        </p:style>
       </p:pic>
     </p:spTree>
     <p:extLst>
@@ -8745,7 +8781,7 @@
         </p:nvSpPr>
         <p:spPr>
           <a:xfrm>
-            <a:off x="97862" y="1031629"/>
+            <a:off x="-92638" y="1031629"/>
             <a:ext cx="4923693" cy="2397369"/>
           </a:xfrm>
         </p:spPr>
@@ -8817,12 +8853,17 @@
         </p:blipFill>
         <p:spPr>
           <a:xfrm>
-            <a:off x="4355888" y="-1"/>
-            <a:ext cx="6307015" cy="6857999"/>
+            <a:off x="4355888" y="133350"/>
+            <a:ext cx="6307015" cy="6505575"/>
           </a:xfrm>
           <a:prstGeom prst="rect">
             <a:avLst/>
           </a:prstGeom>
+          <a:ln>
+            <a:solidFill>
+              <a:srgbClr val="002060"/>
+            </a:solidFill>
+          </a:ln>
         </p:spPr>
       </p:pic>
     </p:spTree>
